--- a/TwitterStreamPresentation.pptx
+++ b/TwitterStreamPresentation.pptx
@@ -309,7 +309,7 @@
           <a:p>
             <a:fld id="{4AAD347D-5ACD-4C99-B74B-A9C85AD731AF}" type="datetimeFigureOut">
               <a:rPr lang="en-US" dirty="0"/>
-              <a:t>12/18/2018</a:t>
+              <a:t>12/19/2018</a:t>
             </a:fld>
             <a:endParaRPr lang="en-US" dirty="0"/>
           </a:p>
@@ -579,7 +579,7 @@
           <a:p>
             <a:fld id="{4509A250-FF31-4206-8172-F9D3106AACB1}" type="datetimeFigureOut">
               <a:rPr lang="en-US" dirty="0"/>
-              <a:t>12/18/2018</a:t>
+              <a:t>12/19/2018</a:t>
             </a:fld>
             <a:endParaRPr lang="en-US" dirty="0"/>
           </a:p>
@@ -768,7 +768,7 @@
           <a:p>
             <a:fld id="{4509A250-FF31-4206-8172-F9D3106AACB1}" type="datetimeFigureOut">
               <a:rPr lang="en-US" dirty="0"/>
-              <a:t>12/18/2018</a:t>
+              <a:t>12/19/2018</a:t>
             </a:fld>
             <a:endParaRPr lang="en-US" dirty="0"/>
           </a:p>
@@ -1036,7 +1036,7 @@
           <a:p>
             <a:fld id="{4509A250-FF31-4206-8172-F9D3106AACB1}" type="datetimeFigureOut">
               <a:rPr lang="en-US" dirty="0"/>
-              <a:t>12/18/2018</a:t>
+              <a:t>12/19/2018</a:t>
             </a:fld>
             <a:endParaRPr lang="en-US" dirty="0"/>
           </a:p>
@@ -1372,7 +1372,7 @@
           <a:p>
             <a:fld id="{4509A250-FF31-4206-8172-F9D3106AACB1}" type="datetimeFigureOut">
               <a:rPr lang="en-US" dirty="0"/>
-              <a:t>12/18/2018</a:t>
+              <a:t>12/19/2018</a:t>
             </a:fld>
             <a:endParaRPr lang="en-US" dirty="0"/>
           </a:p>
@@ -1990,7 +1990,7 @@
           <a:p>
             <a:fld id="{4509A250-FF31-4206-8172-F9D3106AACB1}" type="datetimeFigureOut">
               <a:rPr lang="en-US" dirty="0"/>
-              <a:t>12/18/2018</a:t>
+              <a:t>12/19/2018</a:t>
             </a:fld>
             <a:endParaRPr lang="en-US" dirty="0"/>
           </a:p>
@@ -2845,7 +2845,7 @@
           <a:p>
             <a:fld id="{4509A250-FF31-4206-8172-F9D3106AACB1}" type="datetimeFigureOut">
               <a:rPr lang="en-US" dirty="0"/>
-              <a:t>12/18/2018</a:t>
+              <a:t>12/19/2018</a:t>
             </a:fld>
             <a:endParaRPr lang="en-US" dirty="0"/>
           </a:p>
@@ -3010,7 +3010,7 @@
           <a:p>
             <a:fld id="{4509A250-FF31-4206-8172-F9D3106AACB1}" type="datetimeFigureOut">
               <a:rPr lang="en-US" dirty="0"/>
-              <a:t>12/18/2018</a:t>
+              <a:t>12/19/2018</a:t>
             </a:fld>
             <a:endParaRPr lang="en-US" dirty="0"/>
           </a:p>
@@ -3185,7 +3185,7 @@
           <a:p>
             <a:fld id="{4509A250-FF31-4206-8172-F9D3106AACB1}" type="datetimeFigureOut">
               <a:rPr lang="en-US" dirty="0"/>
-              <a:t>12/18/2018</a:t>
+              <a:t>12/19/2018</a:t>
             </a:fld>
             <a:endParaRPr lang="en-US" dirty="0"/>
           </a:p>
@@ -3350,7 +3350,7 @@
           <a:p>
             <a:fld id="{4509A250-FF31-4206-8172-F9D3106AACB1}" type="datetimeFigureOut">
               <a:rPr lang="en-US" dirty="0"/>
-              <a:t>12/18/2018</a:t>
+              <a:t>12/19/2018</a:t>
             </a:fld>
             <a:endParaRPr lang="en-US" dirty="0"/>
           </a:p>
@@ -3592,7 +3592,7 @@
           <a:p>
             <a:fld id="{9796027F-7875-4030-9381-8BD8C4F21935}" type="datetimeFigureOut">
               <a:rPr lang="en-US" dirty="0"/>
-              <a:t>12/18/2018</a:t>
+              <a:t>12/19/2018</a:t>
             </a:fld>
             <a:endParaRPr lang="en-US" dirty="0"/>
           </a:p>
@@ -3879,7 +3879,7 @@
           <a:p>
             <a:fld id="{9796027F-7875-4030-9381-8BD8C4F21935}" type="datetimeFigureOut">
               <a:rPr lang="en-US" dirty="0"/>
-              <a:t>12/18/2018</a:t>
+              <a:t>12/19/2018</a:t>
             </a:fld>
             <a:endParaRPr lang="en-US" dirty="0"/>
           </a:p>
@@ -4318,7 +4318,7 @@
           <a:p>
             <a:fld id="{9796027F-7875-4030-9381-8BD8C4F21935}" type="datetimeFigureOut">
               <a:rPr lang="en-US" dirty="0"/>
-              <a:t>12/18/2018</a:t>
+              <a:t>12/19/2018</a:t>
             </a:fld>
             <a:endParaRPr lang="en-US" dirty="0"/>
           </a:p>
@@ -4431,7 +4431,7 @@
           <a:p>
             <a:fld id="{4509A250-FF31-4206-8172-F9D3106AACB1}" type="datetimeFigureOut">
               <a:rPr lang="en-US" dirty="0"/>
-              <a:t>12/18/2018</a:t>
+              <a:t>12/19/2018</a:t>
             </a:fld>
             <a:endParaRPr lang="en-US" dirty="0"/>
           </a:p>
@@ -4521,7 +4521,7 @@
           <a:p>
             <a:fld id="{4509A250-FF31-4206-8172-F9D3106AACB1}" type="datetimeFigureOut">
               <a:rPr lang="en-US" dirty="0"/>
-              <a:t>12/18/2018</a:t>
+              <a:t>12/19/2018</a:t>
             </a:fld>
             <a:endParaRPr lang="en-US" dirty="0"/>
           </a:p>
@@ -4795,7 +4795,7 @@
           <a:p>
             <a:fld id="{4509A250-FF31-4206-8172-F9D3106AACB1}" type="datetimeFigureOut">
               <a:rPr lang="en-US" dirty="0"/>
-              <a:t>12/18/2018</a:t>
+              <a:t>12/19/2018</a:t>
             </a:fld>
             <a:endParaRPr lang="en-US" dirty="0"/>
           </a:p>
@@ -5065,7 +5065,7 @@
           <a:p>
             <a:fld id="{4509A250-FF31-4206-8172-F9D3106AACB1}" type="datetimeFigureOut">
               <a:rPr lang="en-US" dirty="0"/>
-              <a:t>12/18/2018</a:t>
+              <a:t>12/19/2018</a:t>
             </a:fld>
             <a:endParaRPr lang="en-US" dirty="0"/>
           </a:p>
@@ -5489,7 +5489,7 @@
           <a:p>
             <a:fld id="{4AAD347D-5ACD-4C99-B74B-A9C85AD731AF}" type="datetimeFigureOut">
               <a:rPr lang="en-US" dirty="0"/>
-              <a:t>12/18/2018</a:t>
+              <a:t>12/19/2018</a:t>
             </a:fld>
             <a:endParaRPr lang="en-US" dirty="0"/>
           </a:p>
@@ -6907,11 +6907,7 @@
             <a:pPr lvl="1"/>
             <a:r>
               <a:rPr lang="en-US" dirty="0" smtClean="0"/>
-              <a:t>You w</a:t>
-            </a:r>
-            <a:r>
-              <a:rPr lang="en-US" dirty="0" smtClean="0"/>
-              <a:t>ill </a:t>
+              <a:t>You will </a:t>
             </a:r>
             <a:r>
               <a:rPr lang="en-US" dirty="0"/>
@@ -7261,25 +7257,68 @@
             </a:r>
             <a:r>
               <a:rPr lang="en-US" dirty="0" smtClean="0"/>
-              <a:t>example for getting:</a:t>
+              <a:t>example for getting</a:t>
+            </a:r>
+            <a:r>
+              <a:rPr lang="en-US" dirty="0" smtClean="0"/>
+              <a:t>:</a:t>
             </a:r>
           </a:p>
           <a:p>
             <a:pPr lvl="1"/>
             <a:r>
               <a:rPr lang="en-US" dirty="0" smtClean="0"/>
-              <a:t>Tweet Text</a:t>
+              <a:t>Tweet ID</a:t>
             </a:r>
           </a:p>
           <a:p>
             <a:pPr lvl="1"/>
             <a:r>
+              <a:rPr lang="en-US" dirty="0"/>
+              <a:t>Created </a:t>
+            </a:r>
+            <a:r>
               <a:rPr lang="en-US" dirty="0" smtClean="0"/>
-              <a:t>Created at Date</a:t>
-            </a:r>
+              <a:t>Date</a:t>
+            </a:r>
+            <a:endParaRPr lang="en-US" dirty="0"/>
           </a:p>
           <a:p>
             <a:pPr lvl="1"/>
+            <a:r>
+              <a:rPr lang="en-US" dirty="0"/>
+              <a:t>Tweet </a:t>
+            </a:r>
+            <a:r>
+              <a:rPr lang="en-US" dirty="0" smtClean="0"/>
+              <a:t>Text</a:t>
+            </a:r>
+          </a:p>
+          <a:p>
+            <a:pPr lvl="1"/>
+            <a:r>
+              <a:rPr lang="en-US" dirty="0"/>
+              <a:t>User ID</a:t>
+            </a:r>
+          </a:p>
+          <a:p>
+            <a:pPr lvl="1"/>
+            <a:r>
+              <a:rPr lang="en-US" dirty="0"/>
+              <a:t>*Language</a:t>
+            </a:r>
+            <a:r>
+              <a:rPr lang="en-US" dirty="0" smtClean="0"/>
+              <a:t>*</a:t>
+            </a:r>
+            <a:endParaRPr lang="en-US" dirty="0" smtClean="0"/>
+          </a:p>
+          <a:p>
+            <a:pPr lvl="1"/>
+            <a:r>
+              <a:rPr lang="en-US" dirty="0" smtClean="0"/>
+              <a:t>Hashtags</a:t>
+            </a:r>
             <a:endParaRPr lang="en-US" dirty="0"/>
           </a:p>
         </p:txBody>

--- a/TwitterStreamPresentation.pptx
+++ b/TwitterStreamPresentation.pptx
@@ -7257,11 +7257,7 @@
             </a:r>
             <a:r>
               <a:rPr lang="en-US" dirty="0" smtClean="0"/>
-              <a:t>example for getting</a:t>
-            </a:r>
-            <a:r>
-              <a:rPr lang="en-US" dirty="0" smtClean="0"/>
-              <a:t>:</a:t>
+              <a:t>example for getting:</a:t>
             </a:r>
           </a:p>
           <a:p>
@@ -7311,7 +7307,6 @@
               <a:rPr lang="en-US" dirty="0" smtClean="0"/>
               <a:t>*</a:t>
             </a:r>
-            <a:endParaRPr lang="en-US" dirty="0" smtClean="0"/>
           </a:p>
           <a:p>
             <a:pPr lvl="1"/>
@@ -7399,12 +7394,82 @@
         </p:nvSpPr>
         <p:spPr/>
         <p:txBody>
-          <a:bodyPr/>
-          <a:lstStyle/>
-          <a:p>
-            <a:r>
-              <a:rPr lang="en-US" dirty="0"/>
-              <a:t>Steps to uploading to SSMS</a:t>
+          <a:bodyPr>
+            <a:normAutofit/>
+          </a:bodyPr>
+          <a:lstStyle/>
+          <a:p>
+            <a:r>
+              <a:rPr lang="en-US" dirty="0" smtClean="0"/>
+              <a:t>Assuming you have SSMS setup and a local database running</a:t>
+            </a:r>
+          </a:p>
+          <a:p>
+            <a:r>
+              <a:rPr lang="en-US" dirty="0" smtClean="0"/>
+              <a:t>Create Database</a:t>
+            </a:r>
+          </a:p>
+          <a:p>
+            <a:r>
+              <a:rPr lang="en-US" dirty="0" smtClean="0"/>
+              <a:t>Right-click DB -&gt; Tasks -&gt; Import Data</a:t>
+            </a:r>
+          </a:p>
+          <a:p>
+            <a:r>
+              <a:rPr lang="en-US" dirty="0" smtClean="0"/>
+              <a:t>Select Flat Source File -&gt; Fill out the information</a:t>
+            </a:r>
+          </a:p>
+          <a:p>
+            <a:r>
+              <a:rPr lang="en-US" dirty="0" smtClean="0"/>
+              <a:t>Make sure to change the Columns</a:t>
+            </a:r>
+          </a:p>
+          <a:p>
+            <a:r>
+              <a:rPr lang="en-US" dirty="0" smtClean="0"/>
+              <a:t>Delimiter is {:}{:} if using my program</a:t>
+            </a:r>
+          </a:p>
+          <a:p>
+            <a:r>
+              <a:rPr lang="en-US" dirty="0"/>
+              <a:t>Edit column names under </a:t>
+            </a:r>
+            <a:r>
+              <a:rPr lang="en-US" dirty="0" smtClean="0"/>
+              <a:t>Advanced and don’t forget Hashtags!</a:t>
+            </a:r>
+          </a:p>
+          <a:p>
+            <a:r>
+              <a:rPr lang="en-US" dirty="0" smtClean="0"/>
+              <a:t>Have it suggest types! (Still might have to change them manually)</a:t>
+            </a:r>
+          </a:p>
+          <a:p>
+            <a:r>
+              <a:rPr lang="en-US" dirty="0" smtClean="0"/>
+              <a:t>Have </a:t>
+            </a:r>
+            <a:r>
+              <a:rPr lang="en-US" dirty="0"/>
+              <a:t>d</a:t>
+            </a:r>
+            <a:r>
+              <a:rPr lang="en-US" dirty="0" smtClean="0"/>
+              <a:t>estination be </a:t>
+            </a:r>
+            <a:r>
+              <a:rPr lang="en-US" dirty="0"/>
+              <a:t>w</a:t>
+            </a:r>
+            <a:r>
+              <a:rPr lang="en-US" dirty="0" smtClean="0"/>
+              <a:t>here you want it to be for us a “Microsoft OLE DB Provider for SQL Server”</a:t>
             </a:r>
           </a:p>
         </p:txBody>

--- a/TwitterStreamPresentation.pptx
+++ b/TwitterStreamPresentation.pptx
@@ -11,12 +11,13 @@
     <p:sldId id="257" r:id="rId5"/>
     <p:sldId id="258" r:id="rId6"/>
     <p:sldId id="259" r:id="rId7"/>
-    <p:sldId id="260" r:id="rId8"/>
-    <p:sldId id="265" r:id="rId9"/>
-    <p:sldId id="266" r:id="rId10"/>
-    <p:sldId id="264" r:id="rId11"/>
-    <p:sldId id="261" r:id="rId12"/>
-    <p:sldId id="263" r:id="rId13"/>
+    <p:sldId id="268" r:id="rId8"/>
+    <p:sldId id="260" r:id="rId9"/>
+    <p:sldId id="265" r:id="rId10"/>
+    <p:sldId id="266" r:id="rId11"/>
+    <p:sldId id="264" r:id="rId12"/>
+    <p:sldId id="261" r:id="rId13"/>
+    <p:sldId id="263" r:id="rId14"/>
   </p:sldIdLst>
   <p:sldSz cx="12192000" cy="6858000"/>
   <p:notesSz cx="6858000" cy="9144000"/>
@@ -6111,6 +6112,162 @@
           <p:cNvPr id="2" name="Title 1">
             <a:extLst>
               <a:ext uri="{FF2B5EF4-FFF2-40B4-BE49-F238E27FC236}">
+                <a16:creationId xmlns:a16="http://schemas.microsoft.com/office/drawing/2014/main" id="{EC6C4035-CC91-44D8-B4FB-3E93DB243554}"/>
+              </a:ext>
+            </a:extLst>
+          </p:cNvPr>
+          <p:cNvSpPr>
+            <a:spLocks noGrp="1"/>
+          </p:cNvSpPr>
+          <p:nvPr>
+            <p:ph type="title"/>
+          </p:nvPr>
+        </p:nvSpPr>
+        <p:spPr/>
+        <p:txBody>
+          <a:bodyPr/>
+          <a:lstStyle/>
+          <a:p>
+            <a:r>
+              <a:rPr lang="en-US" dirty="0"/>
+              <a:t>Uploading to Database</a:t>
+            </a:r>
+          </a:p>
+        </p:txBody>
+      </p:sp>
+      <p:sp>
+        <p:nvSpPr>
+          <p:cNvPr id="3" name="Content Placeholder 2">
+            <a:extLst>
+              <a:ext uri="{FF2B5EF4-FFF2-40B4-BE49-F238E27FC236}">
+                <a16:creationId xmlns:a16="http://schemas.microsoft.com/office/drawing/2014/main" id="{F204E62F-4B93-4D0A-B2C3-88C01ED1B1D8}"/>
+              </a:ext>
+            </a:extLst>
+          </p:cNvPr>
+          <p:cNvSpPr>
+            <a:spLocks noGrp="1"/>
+          </p:cNvSpPr>
+          <p:nvPr>
+            <p:ph idx="1"/>
+          </p:nvPr>
+        </p:nvSpPr>
+        <p:spPr/>
+        <p:txBody>
+          <a:bodyPr>
+            <a:normAutofit/>
+          </a:bodyPr>
+          <a:lstStyle/>
+          <a:p>
+            <a:r>
+              <a:rPr lang="en-US" dirty="0" smtClean="0"/>
+              <a:t>Assuming you have SSMS setup and a local database running</a:t>
+            </a:r>
+          </a:p>
+          <a:p>
+            <a:r>
+              <a:rPr lang="en-US" dirty="0" smtClean="0"/>
+              <a:t>Create Database</a:t>
+            </a:r>
+          </a:p>
+          <a:p>
+            <a:r>
+              <a:rPr lang="en-US" dirty="0" smtClean="0"/>
+              <a:t>Right-click DB -&gt; Tasks -&gt; Import Data</a:t>
+            </a:r>
+          </a:p>
+          <a:p>
+            <a:r>
+              <a:rPr lang="en-US" dirty="0" smtClean="0"/>
+              <a:t>Select Flat Source File -&gt; Fill out the information</a:t>
+            </a:r>
+          </a:p>
+          <a:p>
+            <a:r>
+              <a:rPr lang="en-US" dirty="0" smtClean="0"/>
+              <a:t>Make sure to change the Columns</a:t>
+            </a:r>
+          </a:p>
+          <a:p>
+            <a:r>
+              <a:rPr lang="en-US" dirty="0" smtClean="0"/>
+              <a:t>Delimiter is {:}{:} if using my program</a:t>
+            </a:r>
+          </a:p>
+          <a:p>
+            <a:r>
+              <a:rPr lang="en-US" dirty="0"/>
+              <a:t>Edit column names under </a:t>
+            </a:r>
+            <a:r>
+              <a:rPr lang="en-US" dirty="0" smtClean="0"/>
+              <a:t>Advanced and don’t forget Hashtags!</a:t>
+            </a:r>
+          </a:p>
+          <a:p>
+            <a:r>
+              <a:rPr lang="en-US" dirty="0" smtClean="0"/>
+              <a:t>Have it suggest types! (Still might have to change them manually)</a:t>
+            </a:r>
+          </a:p>
+          <a:p>
+            <a:r>
+              <a:rPr lang="en-US" dirty="0" smtClean="0"/>
+              <a:t>Have </a:t>
+            </a:r>
+            <a:r>
+              <a:rPr lang="en-US" dirty="0"/>
+              <a:t>d</a:t>
+            </a:r>
+            <a:r>
+              <a:rPr lang="en-US" dirty="0" smtClean="0"/>
+              <a:t>estination be </a:t>
+            </a:r>
+            <a:r>
+              <a:rPr lang="en-US" dirty="0"/>
+              <a:t>w</a:t>
+            </a:r>
+            <a:r>
+              <a:rPr lang="en-US" dirty="0" smtClean="0"/>
+              <a:t>here you want it to be for us a “Microsoft OLE DB Provider for SQL Server”</a:t>
+            </a:r>
+          </a:p>
+        </p:txBody>
+      </p:sp>
+    </p:spTree>
+    <p:extLst>
+      <p:ext uri="{BB962C8B-B14F-4D97-AF65-F5344CB8AC3E}">
+        <p14:creationId xmlns:p14="http://schemas.microsoft.com/office/powerpoint/2010/main" val="2395830383"/>
+      </p:ext>
+    </p:extLst>
+  </p:cSld>
+  <p:clrMapOvr>
+    <a:masterClrMapping/>
+  </p:clrMapOvr>
+</p:sld>
+</file>
+
+<file path=ppt/slides/slide11.xml><?xml version="1.0" encoding="utf-8"?>
+<p:sld xmlns:a="http://schemas.openxmlformats.org/drawingml/2006/main" xmlns:r="http://schemas.openxmlformats.org/officeDocument/2006/relationships" xmlns:p="http://schemas.openxmlformats.org/presentationml/2006/main">
+  <p:cSld>
+    <p:spTree>
+      <p:nvGrpSpPr>
+        <p:cNvPr id="1" name=""/>
+        <p:cNvGrpSpPr/>
+        <p:nvPr/>
+      </p:nvGrpSpPr>
+      <p:grpSpPr>
+        <a:xfrm>
+          <a:off x="0" y="0"/>
+          <a:ext cx="0" cy="0"/>
+          <a:chOff x="0" y="0"/>
+          <a:chExt cx="0" cy="0"/>
+        </a:xfrm>
+      </p:grpSpPr>
+      <p:sp>
+        <p:nvSpPr>
+          <p:cNvPr id="2" name="Title 1">
+            <a:extLst>
+              <a:ext uri="{FF2B5EF4-FFF2-40B4-BE49-F238E27FC236}">
                 <a16:creationId xmlns:a16="http://schemas.microsoft.com/office/drawing/2014/main" id="{01905B34-7861-485E-8CDB-88BB082AAC9F}"/>
               </a:ext>
             </a:extLst>
@@ -6176,7 +6333,7 @@
 </p:sld>
 </file>
 
-<file path=ppt/slides/slide11.xml><?xml version="1.0" encoding="utf-8"?>
+<file path=ppt/slides/slide12.xml><?xml version="1.0" encoding="utf-8"?>
 <p:sld xmlns:a="http://schemas.openxmlformats.org/drawingml/2006/main" xmlns:r="http://schemas.openxmlformats.org/officeDocument/2006/relationships" xmlns:p="http://schemas.openxmlformats.org/presentationml/2006/main">
   <p:cSld>
     <p:spTree>
@@ -6287,6 +6444,24 @@
           </a:p>
           <a:p>
             <a:r>
+              <a:rPr lang="en-US" dirty="0" err="1" smtClean="0"/>
+              <a:t>Tweepy</a:t>
+            </a:r>
+            <a:r>
+              <a:rPr lang="en-US" dirty="0" smtClean="0"/>
+              <a:t> Examples</a:t>
+            </a:r>
+          </a:p>
+          <a:p>
+            <a:pPr lvl="1"/>
+            <a:r>
+              <a:rPr lang="en-US" dirty="0"/>
+              <a:t>https://github.com/tweepy/examples</a:t>
+            </a:r>
+            <a:endParaRPr lang="en-US" dirty="0" smtClean="0"/>
+          </a:p>
+          <a:p>
+            <a:r>
               <a:rPr lang="en-US" dirty="0" smtClean="0"/>
               <a:t>Reference Libraries:</a:t>
             </a:r>
@@ -6305,6 +6480,9 @@
               </a:rPr>
               <a:t>developer.twitter.com/en/docs/developer-utilities/twitter-libraries.html</a:t>
             </a:r>
+            <a:endParaRPr lang="en-US" dirty="0" smtClean="0"/>
+          </a:p>
+          <a:p>
             <a:endParaRPr lang="en-US" dirty="0" smtClean="0"/>
           </a:p>
         </p:txBody>
@@ -6322,7 +6500,7 @@
 </p:sld>
 </file>
 
-<file path=ppt/slides/slide12.xml><?xml version="1.0" encoding="utf-8"?>
+<file path=ppt/slides/slide13.xml><?xml version="1.0" encoding="utf-8"?>
 <p:sld xmlns:a="http://schemas.openxmlformats.org/drawingml/2006/main" xmlns:r="http://schemas.openxmlformats.org/officeDocument/2006/relationships" xmlns:p="http://schemas.openxmlformats.org/presentationml/2006/main">
   <p:cSld>
     <p:spTree>
@@ -6630,6 +6808,24 @@
               <a:t>Learn how to upload the processed file to SSMS</a:t>
             </a:r>
           </a:p>
+          <a:p>
+            <a:pPr lvl="1"/>
+            <a:endParaRPr lang="en-US" dirty="0"/>
+          </a:p>
+          <a:p>
+            <a:r>
+              <a:rPr lang="en-US" dirty="0" smtClean="0"/>
+              <a:t>All code used is also located here:</a:t>
+            </a:r>
+          </a:p>
+          <a:p>
+            <a:pPr lvl="1"/>
+            <a:r>
+              <a:rPr lang="en-US" dirty="0"/>
+              <a:t>https://github.com/elibrunette/PyDataTwitterPresentation</a:t>
+            </a:r>
+            <a:endParaRPr lang="en-US" dirty="0" smtClean="0"/>
+          </a:p>
         </p:txBody>
       </p:sp>
     </p:spTree>
@@ -7039,22 +7235,12 @@
           <a:p>
             <a:r>
               <a:rPr lang="en-US" dirty="0"/>
-              <a:t>Can I filter the data?</a:t>
-            </a:r>
-          </a:p>
-          <a:p>
-            <a:endParaRPr lang="en-US" dirty="0"/>
-          </a:p>
-          <a:p>
-            <a:r>
-              <a:rPr lang="en-US" dirty="0"/>
-              <a:t>https://developer.twitter.com/en/docs</a:t>
-            </a:r>
-          </a:p>
-          <a:p>
-            <a:pPr marL="0" indent="0">
-              <a:buNone/>
-            </a:pPr>
+              <a:t>Can I filter the data</a:t>
+            </a:r>
+            <a:r>
+              <a:rPr lang="en-US" dirty="0" smtClean="0"/>
+              <a:t>?</a:t>
+            </a:r>
             <a:endParaRPr lang="en-US" dirty="0"/>
           </a:p>
         </p:txBody>
@@ -7091,85 +7277,65 @@
       </p:grpSpPr>
       <p:sp>
         <p:nvSpPr>
-          <p:cNvPr id="2" name="Title 1">
+          <p:cNvPr id="2" name="Title 1"/>
+          <p:cNvSpPr>
+            <a:spLocks noGrp="1"/>
+          </p:cNvSpPr>
+          <p:nvPr>
+            <p:ph type="title"/>
+          </p:nvPr>
+        </p:nvSpPr>
+        <p:spPr>
+          <a:xfrm>
+            <a:off x="646111" y="452718"/>
+            <a:ext cx="9404723" cy="713930"/>
+          </a:xfrm>
+        </p:spPr>
+        <p:txBody>
+          <a:bodyPr/>
+          <a:lstStyle/>
+          <a:p>
+            <a:r>
+              <a:rPr lang="en-US" dirty="0" smtClean="0"/>
+              <a:t>Tweets</a:t>
+            </a:r>
+            <a:endParaRPr lang="en-US" dirty="0"/>
+          </a:p>
+        </p:txBody>
+      </p:sp>
+      <p:pic>
+        <p:nvPicPr>
+          <p:cNvPr id="4" name="Content Placeholder 3"/>
+          <p:cNvPicPr>
+            <a:picLocks noGrp="1" noChangeAspect="1"/>
+          </p:cNvPicPr>
+          <p:nvPr>
+            <p:ph idx="1"/>
+          </p:nvPr>
+        </p:nvPicPr>
+        <p:blipFill>
+          <a:blip r:embed="rId2">
             <a:extLst>
-              <a:ext uri="{FF2B5EF4-FFF2-40B4-BE49-F238E27FC236}">
-                <a16:creationId xmlns:a16="http://schemas.microsoft.com/office/drawing/2014/main" id="{569555DA-8AE9-4B4B-AC98-5631D8FC148A}"/>
+              <a:ext uri="{28A0092B-C50C-407E-A947-70E740481C1C}">
+                <a14:useLocalDpi xmlns:a14="http://schemas.microsoft.com/office/drawing/2010/main" val="0"/>
               </a:ext>
             </a:extLst>
-          </p:cNvPr>
-          <p:cNvSpPr>
-            <a:spLocks noGrp="1"/>
-          </p:cNvSpPr>
-          <p:nvPr>
-            <p:ph type="title"/>
-          </p:nvPr>
-        </p:nvSpPr>
-        <p:spPr/>
-        <p:txBody>
-          <a:bodyPr/>
-          <a:lstStyle/>
-          <a:p>
-            <a:r>
-              <a:rPr lang="en-US" dirty="0"/>
-              <a:t>Step 4: Filtering your stream</a:t>
-            </a:r>
-          </a:p>
-        </p:txBody>
-      </p:sp>
-      <p:sp>
-        <p:nvSpPr>
-          <p:cNvPr id="3" name="Content Placeholder 2">
-            <a:extLst>
-              <a:ext uri="{FF2B5EF4-FFF2-40B4-BE49-F238E27FC236}">
-                <a16:creationId xmlns:a16="http://schemas.microsoft.com/office/drawing/2014/main" id="{B3FF3352-1133-4131-A5B6-59ED5DC3FFC1}"/>
-              </a:ext>
-            </a:extLst>
-          </p:cNvPr>
-          <p:cNvSpPr>
-            <a:spLocks noGrp="1"/>
-          </p:cNvSpPr>
-          <p:nvPr>
-            <p:ph idx="1"/>
-          </p:nvPr>
-        </p:nvSpPr>
-        <p:spPr/>
-        <p:txBody>
-          <a:bodyPr/>
-          <a:lstStyle/>
-          <a:p>
-            <a:r>
-              <a:rPr lang="en-US" dirty="0"/>
-              <a:t>Code Examples for three different cases:</a:t>
-            </a:r>
-          </a:p>
-          <a:p>
-            <a:pPr lvl="1"/>
-            <a:r>
-              <a:rPr lang="en-US" dirty="0"/>
-              <a:t>Location</a:t>
-            </a:r>
-          </a:p>
-          <a:p>
-            <a:pPr lvl="1"/>
-            <a:r>
-              <a:rPr lang="en-US" dirty="0"/>
-              <a:t>Language</a:t>
-            </a:r>
-          </a:p>
-          <a:p>
-            <a:pPr lvl="1"/>
-            <a:r>
-              <a:rPr lang="en-US" dirty="0"/>
-              <a:t>Keywords</a:t>
-            </a:r>
-          </a:p>
-        </p:txBody>
-      </p:sp>
+          </a:blip>
+          <a:stretch>
+            <a:fillRect/>
+          </a:stretch>
+        </p:blipFill>
+        <p:spPr>
+          <a:xfrm>
+            <a:off x="1194386" y="1429243"/>
+            <a:ext cx="9382211" cy="4976812"/>
+          </a:xfrm>
+        </p:spPr>
+      </p:pic>
     </p:spTree>
     <p:extLst>
       <p:ext uri="{BB962C8B-B14F-4D97-AF65-F5344CB8AC3E}">
-        <p14:creationId xmlns:p14="http://schemas.microsoft.com/office/powerpoint/2010/main" val="1204983945"/>
+        <p14:creationId xmlns:p14="http://schemas.microsoft.com/office/powerpoint/2010/main" val="1949541057"/>
       </p:ext>
     </p:extLst>
   </p:cSld>
@@ -7201,7 +7367,7 @@
           <p:cNvPr id="2" name="Title 1">
             <a:extLst>
               <a:ext uri="{FF2B5EF4-FFF2-40B4-BE49-F238E27FC236}">
-                <a16:creationId xmlns:a16="http://schemas.microsoft.com/office/drawing/2014/main" id="{81038322-30A3-4858-8BE8-9B66C1C6700E}"/>
+                <a16:creationId xmlns:a16="http://schemas.microsoft.com/office/drawing/2014/main" id="{569555DA-8AE9-4B4B-AC98-5631D8FC148A}"/>
               </a:ext>
             </a:extLst>
           </p:cNvPr>
@@ -7219,7 +7385,7 @@
           <a:p>
             <a:r>
               <a:rPr lang="en-US" dirty="0"/>
-              <a:t>Step 5: Processing you JSON file	</a:t>
+              <a:t>Step 4: Filtering your stream</a:t>
             </a:r>
           </a:p>
         </p:txBody>
@@ -7229,7 +7395,7 @@
           <p:cNvPr id="3" name="Content Placeholder 2">
             <a:extLst>
               <a:ext uri="{FF2B5EF4-FFF2-40B4-BE49-F238E27FC236}">
-                <a16:creationId xmlns:a16="http://schemas.microsoft.com/office/drawing/2014/main" id="{40FE7D70-0102-4D06-9677-5FE18CE1A9AF}"/>
+                <a16:creationId xmlns:a16="http://schemas.microsoft.com/office/drawing/2014/main" id="{B3FF3352-1133-4131-A5B6-59ED5DC3FFC1}"/>
               </a:ext>
             </a:extLst>
           </p:cNvPr>
@@ -7247,81 +7413,36 @@
           <a:p>
             <a:r>
               <a:rPr lang="en-US" dirty="0"/>
-              <a:t>Library used and higher level walkthrough</a:t>
-            </a:r>
-          </a:p>
-          <a:p>
-            <a:r>
-              <a:rPr lang="en-US" dirty="0"/>
-              <a:t>Code </a:t>
-            </a:r>
-            <a:r>
-              <a:rPr lang="en-US" dirty="0" smtClean="0"/>
-              <a:t>example for getting:</a:t>
+              <a:t>Code Examples for three different cases:</a:t>
             </a:r>
           </a:p>
           <a:p>
             <a:pPr lvl="1"/>
             <a:r>
-              <a:rPr lang="en-US" dirty="0" smtClean="0"/>
-              <a:t>Tweet ID</a:t>
+              <a:rPr lang="en-US" dirty="0"/>
+              <a:t>Location</a:t>
             </a:r>
           </a:p>
           <a:p>
             <a:pPr lvl="1"/>
             <a:r>
               <a:rPr lang="en-US" dirty="0"/>
-              <a:t>Created </a:t>
-            </a:r>
-            <a:r>
-              <a:rPr lang="en-US" dirty="0" smtClean="0"/>
-              <a:t>Date</a:t>
-            </a:r>
-            <a:endParaRPr lang="en-US" dirty="0"/>
+              <a:t>Language</a:t>
+            </a:r>
           </a:p>
           <a:p>
             <a:pPr lvl="1"/>
             <a:r>
               <a:rPr lang="en-US" dirty="0"/>
-              <a:t>Tweet </a:t>
-            </a:r>
-            <a:r>
-              <a:rPr lang="en-US" dirty="0" smtClean="0"/>
-              <a:t>Text</a:t>
-            </a:r>
-          </a:p>
-          <a:p>
-            <a:pPr lvl="1"/>
-            <a:r>
-              <a:rPr lang="en-US" dirty="0"/>
-              <a:t>User ID</a:t>
-            </a:r>
-          </a:p>
-          <a:p>
-            <a:pPr lvl="1"/>
-            <a:r>
-              <a:rPr lang="en-US" dirty="0"/>
-              <a:t>*Language</a:t>
-            </a:r>
-            <a:r>
-              <a:rPr lang="en-US" dirty="0" smtClean="0"/>
-              <a:t>*</a:t>
-            </a:r>
-          </a:p>
-          <a:p>
-            <a:pPr lvl="1"/>
-            <a:r>
-              <a:rPr lang="en-US" dirty="0" smtClean="0"/>
-              <a:t>Hashtags</a:t>
-            </a:r>
-            <a:endParaRPr lang="en-US" dirty="0"/>
+              <a:t>Keywords</a:t>
+            </a:r>
           </a:p>
         </p:txBody>
       </p:sp>
     </p:spTree>
     <p:extLst>
       <p:ext uri="{BB962C8B-B14F-4D97-AF65-F5344CB8AC3E}">
-        <p14:creationId xmlns:p14="http://schemas.microsoft.com/office/powerpoint/2010/main" val="2699436008"/>
+        <p14:creationId xmlns:p14="http://schemas.microsoft.com/office/powerpoint/2010/main" val="1204983945"/>
       </p:ext>
     </p:extLst>
   </p:cSld>
@@ -7353,7 +7474,7 @@
           <p:cNvPr id="2" name="Title 1">
             <a:extLst>
               <a:ext uri="{FF2B5EF4-FFF2-40B4-BE49-F238E27FC236}">
-                <a16:creationId xmlns:a16="http://schemas.microsoft.com/office/drawing/2014/main" id="{EC6C4035-CC91-44D8-B4FB-3E93DB243554}"/>
+                <a16:creationId xmlns:a16="http://schemas.microsoft.com/office/drawing/2014/main" id="{81038322-30A3-4858-8BE8-9B66C1C6700E}"/>
               </a:ext>
             </a:extLst>
           </p:cNvPr>
@@ -7371,7 +7492,7 @@
           <a:p>
             <a:r>
               <a:rPr lang="en-US" dirty="0"/>
-              <a:t>Uploading to Database</a:t>
+              <a:t>Step 5: Processing you JSON file	</a:t>
             </a:r>
           </a:p>
         </p:txBody>
@@ -7381,7 +7502,7 @@
           <p:cNvPr id="3" name="Content Placeholder 2">
             <a:extLst>
               <a:ext uri="{FF2B5EF4-FFF2-40B4-BE49-F238E27FC236}">
-                <a16:creationId xmlns:a16="http://schemas.microsoft.com/office/drawing/2014/main" id="{F204E62F-4B93-4D0A-B2C3-88C01ED1B1D8}"/>
+                <a16:creationId xmlns:a16="http://schemas.microsoft.com/office/drawing/2014/main" id="{40FE7D70-0102-4D06-9677-5FE18CE1A9AF}"/>
               </a:ext>
             </a:extLst>
           </p:cNvPr>
@@ -7394,90 +7515,86 @@
         </p:nvSpPr>
         <p:spPr/>
         <p:txBody>
-          <a:bodyPr>
-            <a:normAutofit/>
-          </a:bodyPr>
-          <a:lstStyle/>
-          <a:p>
+          <a:bodyPr/>
+          <a:lstStyle/>
+          <a:p>
+            <a:r>
+              <a:rPr lang="en-US" dirty="0"/>
+              <a:t>Library used and higher level walkthrough</a:t>
+            </a:r>
+          </a:p>
+          <a:p>
+            <a:r>
+              <a:rPr lang="en-US" dirty="0"/>
+              <a:t>Code </a:t>
+            </a:r>
             <a:r>
               <a:rPr lang="en-US" dirty="0" smtClean="0"/>
-              <a:t>Assuming you have SSMS setup and a local database running</a:t>
-            </a:r>
-          </a:p>
-          <a:p>
+              <a:t>example for getting:</a:t>
+            </a:r>
+          </a:p>
+          <a:p>
+            <a:pPr lvl="1"/>
             <a:r>
               <a:rPr lang="en-US" dirty="0" smtClean="0"/>
-              <a:t>Create Database</a:t>
-            </a:r>
-          </a:p>
-          <a:p>
+              <a:t>Tweet ID</a:t>
+            </a:r>
+          </a:p>
+          <a:p>
+            <a:pPr lvl="1"/>
+            <a:r>
+              <a:rPr lang="en-US" dirty="0"/>
+              <a:t>Created </a:t>
+            </a:r>
             <a:r>
               <a:rPr lang="en-US" dirty="0" smtClean="0"/>
-              <a:t>Right-click DB -&gt; Tasks -&gt; Import Data</a:t>
-            </a:r>
-          </a:p>
-          <a:p>
+              <a:t>Date</a:t>
+            </a:r>
+            <a:endParaRPr lang="en-US" dirty="0"/>
+          </a:p>
+          <a:p>
+            <a:pPr lvl="1"/>
+            <a:r>
+              <a:rPr lang="en-US" dirty="0"/>
+              <a:t>Tweet </a:t>
+            </a:r>
             <a:r>
               <a:rPr lang="en-US" dirty="0" smtClean="0"/>
-              <a:t>Select Flat Source File -&gt; Fill out the information</a:t>
-            </a:r>
-          </a:p>
-          <a:p>
+              <a:t>Text</a:t>
+            </a:r>
+          </a:p>
+          <a:p>
+            <a:pPr lvl="1"/>
+            <a:r>
+              <a:rPr lang="en-US" dirty="0"/>
+              <a:t>User ID</a:t>
+            </a:r>
+          </a:p>
+          <a:p>
+            <a:pPr lvl="1"/>
+            <a:r>
+              <a:rPr lang="en-US" dirty="0"/>
+              <a:t>*Language</a:t>
+            </a:r>
             <a:r>
               <a:rPr lang="en-US" dirty="0" smtClean="0"/>
-              <a:t>Make sure to change the Columns</a:t>
-            </a:r>
-          </a:p>
-          <a:p>
+              <a:t>*</a:t>
+            </a:r>
+          </a:p>
+          <a:p>
+            <a:pPr lvl="1"/>
             <a:r>
               <a:rPr lang="en-US" dirty="0" smtClean="0"/>
-              <a:t>Delimiter is {:}{:} if using my program</a:t>
-            </a:r>
-          </a:p>
-          <a:p>
-            <a:r>
-              <a:rPr lang="en-US" dirty="0"/>
-              <a:t>Edit column names under </a:t>
-            </a:r>
-            <a:r>
-              <a:rPr lang="en-US" dirty="0" smtClean="0"/>
-              <a:t>Advanced and don’t forget Hashtags!</a:t>
-            </a:r>
-          </a:p>
-          <a:p>
-            <a:r>
-              <a:rPr lang="en-US" dirty="0" smtClean="0"/>
-              <a:t>Have it suggest types! (Still might have to change them manually)</a:t>
-            </a:r>
-          </a:p>
-          <a:p>
-            <a:r>
-              <a:rPr lang="en-US" dirty="0" smtClean="0"/>
-              <a:t>Have </a:t>
-            </a:r>
-            <a:r>
-              <a:rPr lang="en-US" dirty="0"/>
-              <a:t>d</a:t>
-            </a:r>
-            <a:r>
-              <a:rPr lang="en-US" dirty="0" smtClean="0"/>
-              <a:t>estination be </a:t>
-            </a:r>
-            <a:r>
-              <a:rPr lang="en-US" dirty="0"/>
-              <a:t>w</a:t>
-            </a:r>
-            <a:r>
-              <a:rPr lang="en-US" dirty="0" smtClean="0"/>
-              <a:t>here you want it to be for us a “Microsoft OLE DB Provider for SQL Server”</a:t>
-            </a:r>
+              <a:t>Hashtags</a:t>
+            </a:r>
+            <a:endParaRPr lang="en-US" dirty="0"/>
           </a:p>
         </p:txBody>
       </p:sp>
     </p:spTree>
     <p:extLst>
       <p:ext uri="{BB962C8B-B14F-4D97-AF65-F5344CB8AC3E}">
-        <p14:creationId xmlns:p14="http://schemas.microsoft.com/office/powerpoint/2010/main" val="2395830383"/>
+        <p14:creationId xmlns:p14="http://schemas.microsoft.com/office/powerpoint/2010/main" val="2699436008"/>
       </p:ext>
     </p:extLst>
   </p:cSld>
